--- a/Angol/Healthy-eating-DR-GD.pptx
+++ b/Angol/Healthy-eating-DR-GD.pptx
@@ -5,14 +5,10 @@
     <p:sldMasterId id="2147483856" r:id="rId1"/>
   </p:sldMasterIdLst>
   <p:sldIdLst>
-    <p:sldId id="256" r:id="rId2"/>
-    <p:sldId id="258" r:id="rId3"/>
-    <p:sldId id="257" r:id="rId4"/>
-    <p:sldId id="259" r:id="rId5"/>
-    <p:sldId id="260" r:id="rId6"/>
-    <p:sldId id="261" r:id="rId7"/>
-    <p:sldId id="263" r:id="rId8"/>
-    <p:sldId id="262" r:id="rId9"/>
+    <p:sldId id="257" r:id="rId2"/>
+    <p:sldId id="259" r:id="rId3"/>
+    <p:sldId id="260" r:id="rId4"/>
+    <p:sldId id="261" r:id="rId5"/>
   </p:sldIdLst>
   <p:sldSz cx="12192000" cy="6858000"/>
   <p:notesSz cx="6858000" cy="9144000"/>
@@ -336,7 +332,7 @@
           <a:p>
             <a:fld id="{999A8DD2-C443-44AD-85B3-4CE72B962C5F}" type="datetimeFigureOut">
               <a:rPr lang="en-US" smtClean="0"/>
-              <a:t>12/20/2023</a:t>
+              <a:t>6/13/2024</a:t>
             </a:fld>
             <a:endParaRPr lang="en-US"/>
           </a:p>
@@ -671,7 +667,7 @@
           <a:p>
             <a:fld id="{999A8DD2-C443-44AD-85B3-4CE72B962C5F}" type="datetimeFigureOut">
               <a:rPr lang="en-US" smtClean="0"/>
-              <a:t>12/20/2023</a:t>
+              <a:t>6/13/2024</a:t>
             </a:fld>
             <a:endParaRPr lang="en-US"/>
           </a:p>
@@ -974,7 +970,7 @@
           <a:p>
             <a:fld id="{999A8DD2-C443-44AD-85B3-4CE72B962C5F}" type="datetimeFigureOut">
               <a:rPr lang="en-US" smtClean="0"/>
-              <a:t>12/20/2023</a:t>
+              <a:t>6/13/2024</a:t>
             </a:fld>
             <a:endParaRPr lang="en-US"/>
           </a:p>
@@ -1222,7 +1218,7 @@
           <a:p>
             <a:fld id="{999A8DD2-C443-44AD-85B3-4CE72B962C5F}" type="datetimeFigureOut">
               <a:rPr lang="en-US" smtClean="0"/>
-              <a:t>12/20/2023</a:t>
+              <a:t>6/13/2024</a:t>
             </a:fld>
             <a:endParaRPr lang="en-US"/>
           </a:p>
@@ -1630,7 +1626,7 @@
           <a:p>
             <a:fld id="{999A8DD2-C443-44AD-85B3-4CE72B962C5F}" type="datetimeFigureOut">
               <a:rPr lang="en-US" smtClean="0"/>
-              <a:t>12/20/2023</a:t>
+              <a:t>6/13/2024</a:t>
             </a:fld>
             <a:endParaRPr lang="en-US"/>
           </a:p>
@@ -1945,7 +1941,7 @@
           <a:p>
             <a:fld id="{999A8DD2-C443-44AD-85B3-4CE72B962C5F}" type="datetimeFigureOut">
               <a:rPr lang="en-US" smtClean="0"/>
-              <a:t>12/20/2023</a:t>
+              <a:t>6/13/2024</a:t>
             </a:fld>
             <a:endParaRPr lang="en-US"/>
           </a:p>
@@ -2490,7 +2486,7 @@
           <a:p>
             <a:fld id="{999A8DD2-C443-44AD-85B3-4CE72B962C5F}" type="datetimeFigureOut">
               <a:rPr lang="en-US" smtClean="0"/>
-              <a:t>12/20/2023</a:t>
+              <a:t>6/13/2024</a:t>
             </a:fld>
             <a:endParaRPr lang="en-US"/>
           </a:p>
@@ -2686,7 +2682,7 @@
           <a:p>
             <a:fld id="{999A8DD2-C443-44AD-85B3-4CE72B962C5F}" type="datetimeFigureOut">
               <a:rPr lang="en-US" smtClean="0"/>
-              <a:t>12/20/2023</a:t>
+              <a:t>6/13/2024</a:t>
             </a:fld>
             <a:endParaRPr lang="en-US"/>
           </a:p>
@@ -2900,7 +2896,7 @@
           <a:p>
             <a:fld id="{999A8DD2-C443-44AD-85B3-4CE72B962C5F}" type="datetimeFigureOut">
               <a:rPr lang="en-US" smtClean="0"/>
-              <a:t>12/20/2023</a:t>
+              <a:t>6/13/2024</a:t>
             </a:fld>
             <a:endParaRPr lang="en-US"/>
           </a:p>
@@ -3270,7 +3266,7 @@
           <a:p>
             <a:fld id="{999A8DD2-C443-44AD-85B3-4CE72B962C5F}" type="datetimeFigureOut">
               <a:rPr lang="en-US" smtClean="0"/>
-              <a:t>12/20/2023</a:t>
+              <a:t>6/13/2024</a:t>
             </a:fld>
             <a:endParaRPr lang="en-US"/>
           </a:p>
@@ -3674,7 +3670,7 @@
           <a:p>
             <a:fld id="{999A8DD2-C443-44AD-85B3-4CE72B962C5F}" type="datetimeFigureOut">
               <a:rPr lang="en-US" smtClean="0"/>
-              <a:t>12/20/2023</a:t>
+              <a:t>6/13/2024</a:t>
             </a:fld>
             <a:endParaRPr lang="en-US"/>
           </a:p>
@@ -3986,7 +3982,7 @@
           <a:p>
             <a:fld id="{999A8DD2-C443-44AD-85B3-4CE72B962C5F}" type="datetimeFigureOut">
               <a:rPr lang="en-US" smtClean="0"/>
-              <a:t>12/20/2023</a:t>
+              <a:t>6/13/2024</a:t>
             </a:fld>
             <a:endParaRPr lang="en-US"/>
           </a:p>
@@ -4488,14 +4484,6 @@
 <file path=ppt/slides/slide1.xml><?xml version="1.0" encoding="utf-8"?>
 <p:sld xmlns:a="http://schemas.openxmlformats.org/drawingml/2006/main" xmlns:r="http://schemas.openxmlformats.org/officeDocument/2006/relationships" xmlns:p="http://schemas.openxmlformats.org/presentationml/2006/main">
   <p:cSld>
-    <p:bg>
-      <p:bgPr>
-        <a:solidFill>
-          <a:schemeClr val="bg1"/>
-        </a:solidFill>
-        <a:effectLst/>
-      </p:bgPr>
-    </p:bg>
     <p:spTree>
       <p:nvGrpSpPr>
         <p:cNvPr id="1" name=""/>
@@ -4515,1019 +4503,6 @@
           <p:cNvPr id="5" name="Szövegdoboz 4">
             <a:extLst>
               <a:ext uri="{FF2B5EF4-FFF2-40B4-BE49-F238E27FC236}">
-                <a16:creationId xmlns:a16="http://schemas.microsoft.com/office/drawing/2014/main" id="{BE4F92F2-0E39-AA55-6944-ED419004B88E}"/>
-              </a:ext>
-            </a:extLst>
-          </p:cNvPr>
-          <p:cNvSpPr txBox="1"/>
-          <p:nvPr/>
-        </p:nvSpPr>
-        <p:spPr>
-          <a:xfrm>
-            <a:off x="2557670" y="3402975"/>
-            <a:ext cx="4532243" cy="1446550"/>
-          </a:xfrm>
-          <a:prstGeom prst="rect">
-            <a:avLst/>
-          </a:prstGeom>
-          <a:noFill/>
-        </p:spPr>
-        <p:txBody>
-          <a:bodyPr wrap="square" rtlCol="0">
-            <a:spAutoFit/>
-          </a:bodyPr>
-          <a:lstStyle/>
-          <a:p>
-            <a:r>
-              <a:rPr lang="hu-HU" sz="4400" dirty="0" err="1">
-                <a:latin typeface="Times New Roman" panose="02020603050405020304" pitchFamily="18" charset="0"/>
-                <a:cs typeface="Times New Roman" panose="02020603050405020304" pitchFamily="18" charset="0"/>
-              </a:rPr>
-              <a:t>Healthy</a:t>
-            </a:r>
-            <a:r>
-              <a:rPr lang="hu-HU" sz="4400" dirty="0">
-                <a:latin typeface="Times New Roman" panose="02020603050405020304" pitchFamily="18" charset="0"/>
-                <a:cs typeface="Times New Roman" panose="02020603050405020304" pitchFamily="18" charset="0"/>
-              </a:rPr>
-              <a:t> </a:t>
-            </a:r>
-            <a:r>
-              <a:rPr lang="hu-HU" sz="4400" dirty="0" err="1">
-                <a:latin typeface="Times New Roman" panose="02020603050405020304" pitchFamily="18" charset="0"/>
-                <a:cs typeface="Times New Roman" panose="02020603050405020304" pitchFamily="18" charset="0"/>
-              </a:rPr>
-              <a:t>eating</a:t>
-            </a:r>
-            <a:r>
-              <a:rPr lang="hu-HU" sz="4400" dirty="0">
-                <a:latin typeface="Times New Roman" panose="02020603050405020304" pitchFamily="18" charset="0"/>
-                <a:cs typeface="Times New Roman" panose="02020603050405020304" pitchFamily="18" charset="0"/>
-              </a:rPr>
-              <a:t>:</a:t>
-            </a:r>
-          </a:p>
-          <a:p>
-            <a:r>
-              <a:rPr lang="hu-HU" sz="4400" dirty="0">
-                <a:latin typeface="Times New Roman" panose="02020603050405020304" pitchFamily="18" charset="0"/>
-                <a:cs typeface="Times New Roman" panose="02020603050405020304" pitchFamily="18" charset="0"/>
-              </a:rPr>
-              <a:t>The Key </a:t>
-            </a:r>
-            <a:r>
-              <a:rPr lang="hu-HU" sz="4400" dirty="0" err="1">
-                <a:latin typeface="Times New Roman" panose="02020603050405020304" pitchFamily="18" charset="0"/>
-                <a:cs typeface="Times New Roman" panose="02020603050405020304" pitchFamily="18" charset="0"/>
-              </a:rPr>
-              <a:t>to</a:t>
-            </a:r>
-            <a:r>
-              <a:rPr lang="hu-HU" sz="4400" dirty="0">
-                <a:latin typeface="Times New Roman" panose="02020603050405020304" pitchFamily="18" charset="0"/>
-                <a:cs typeface="Times New Roman" panose="02020603050405020304" pitchFamily="18" charset="0"/>
-              </a:rPr>
-              <a:t> Health</a:t>
-            </a:r>
-          </a:p>
-        </p:txBody>
-      </p:sp>
-      <p:sp>
-        <p:nvSpPr>
-          <p:cNvPr id="7" name="Szövegdoboz 6">
-            <a:extLst>
-              <a:ext uri="{FF2B5EF4-FFF2-40B4-BE49-F238E27FC236}">
-                <a16:creationId xmlns:a16="http://schemas.microsoft.com/office/drawing/2014/main" id="{ED10A01C-B880-2058-0D89-78733E37CB88}"/>
-              </a:ext>
-            </a:extLst>
-          </p:cNvPr>
-          <p:cNvSpPr txBox="1"/>
-          <p:nvPr/>
-        </p:nvSpPr>
-        <p:spPr>
-          <a:xfrm>
-            <a:off x="940901" y="6380946"/>
-            <a:ext cx="5738195" cy="477054"/>
-          </a:xfrm>
-          <a:prstGeom prst="rect">
-            <a:avLst/>
-          </a:prstGeom>
-          <a:noFill/>
-        </p:spPr>
-        <p:txBody>
-          <a:bodyPr wrap="square">
-            <a:spAutoFit/>
-          </a:bodyPr>
-          <a:lstStyle/>
-          <a:p>
-            <a:r>
-              <a:rPr lang="hu-HU" sz="2500" dirty="0" err="1">
-                <a:latin typeface="Times New Roman" panose="02020603050405020304" pitchFamily="18" charset="0"/>
-                <a:cs typeface="Times New Roman" panose="02020603050405020304" pitchFamily="18" charset="0"/>
-              </a:rPr>
-              <a:t>Made</a:t>
-            </a:r>
-            <a:r>
-              <a:rPr lang="hu-HU" sz="2500" dirty="0">
-                <a:latin typeface="Times New Roman" panose="02020603050405020304" pitchFamily="18" charset="0"/>
-                <a:cs typeface="Times New Roman" panose="02020603050405020304" pitchFamily="18" charset="0"/>
-              </a:rPr>
-              <a:t> </a:t>
-            </a:r>
-            <a:r>
-              <a:rPr lang="hu-HU" sz="2500" dirty="0" err="1">
-                <a:latin typeface="Times New Roman" panose="02020603050405020304" pitchFamily="18" charset="0"/>
-                <a:cs typeface="Times New Roman" panose="02020603050405020304" pitchFamily="18" charset="0"/>
-              </a:rPr>
-              <a:t>by</a:t>
-            </a:r>
-            <a:r>
-              <a:rPr lang="hu-HU" sz="2500" dirty="0">
-                <a:latin typeface="Times New Roman" panose="02020603050405020304" pitchFamily="18" charset="0"/>
-                <a:cs typeface="Times New Roman" panose="02020603050405020304" pitchFamily="18" charset="0"/>
-              </a:rPr>
-              <a:t>: Dudás René &amp; Gombkötő Dávid</a:t>
-            </a:r>
-          </a:p>
-        </p:txBody>
-      </p:sp>
-    </p:spTree>
-    <p:extLst>
-      <p:ext uri="{BB962C8B-B14F-4D97-AF65-F5344CB8AC3E}">
-        <p14:creationId xmlns:p14="http://schemas.microsoft.com/office/powerpoint/2010/main" val="2409689378"/>
-      </p:ext>
-    </p:extLst>
-  </p:cSld>
-  <p:clrMapOvr>
-    <a:masterClrMapping/>
-  </p:clrMapOvr>
-  <mc:AlternateContent xmlns:mc="http://schemas.openxmlformats.org/markup-compatibility/2006" xmlns:p15="http://schemas.microsoft.com/office/powerpoint/2012/main">
-    <mc:Choice Requires="p15">
-      <p:transition xmlns:p14="http://schemas.microsoft.com/office/powerpoint/2010/main" spd="slow" p14:dur="6000">
-        <p15:prstTrans prst="curtains"/>
-      </p:transition>
-    </mc:Choice>
-    <mc:Fallback xmlns="">
-      <p:transition spd="slow">
-        <p:fade/>
-      </p:transition>
-    </mc:Fallback>
-  </mc:AlternateContent>
-  <p:timing>
-    <p:tnLst>
-      <p:par>
-        <p:cTn id="1" dur="indefinite" restart="never" nodeType="tmRoot">
-          <p:childTnLst>
-            <p:seq concurrent="1" nextAc="seek">
-              <p:cTn id="2" dur="indefinite" nodeType="mainSeq">
-                <p:childTnLst>
-                  <p:par>
-                    <p:cTn id="3" fill="hold">
-                      <p:stCondLst>
-                        <p:cond delay="indefinite"/>
-                      </p:stCondLst>
-                      <p:childTnLst>
-                        <p:par>
-                          <p:cTn id="4" fill="hold">
-                            <p:stCondLst>
-                              <p:cond delay="0"/>
-                            </p:stCondLst>
-                            <p:childTnLst>
-                              <p:par>
-                                <p:cTn id="5" presetID="42" presetClass="entr" presetSubtype="0" fill="hold" grpId="0" nodeType="clickEffect">
-                                  <p:stCondLst>
-                                    <p:cond delay="0"/>
-                                  </p:stCondLst>
-                                  <p:childTnLst>
-                                    <p:set>
-                                      <p:cBhvr>
-                                        <p:cTn id="6" dur="1" fill="hold">
-                                          <p:stCondLst>
-                                            <p:cond delay="0"/>
-                                          </p:stCondLst>
-                                        </p:cTn>
-                                        <p:tgtEl>
-                                          <p:spTgt spid="5"/>
-                                        </p:tgtEl>
-                                        <p:attrNameLst>
-                                          <p:attrName>style.visibility</p:attrName>
-                                        </p:attrNameLst>
-                                      </p:cBhvr>
-                                      <p:to>
-                                        <p:strVal val="visible"/>
-                                      </p:to>
-                                    </p:set>
-                                    <p:animEffect transition="in" filter="fade">
-                                      <p:cBhvr>
-                                        <p:cTn id="7" dur="1000"/>
-                                        <p:tgtEl>
-                                          <p:spTgt spid="5"/>
-                                        </p:tgtEl>
-                                      </p:cBhvr>
-                                    </p:animEffect>
-                                    <p:anim calcmode="lin" valueType="num">
-                                      <p:cBhvr>
-                                        <p:cTn id="8" dur="1000" fill="hold"/>
-                                        <p:tgtEl>
-                                          <p:spTgt spid="5"/>
-                                        </p:tgtEl>
-                                        <p:attrNameLst>
-                                          <p:attrName>ppt_x</p:attrName>
-                                        </p:attrNameLst>
-                                      </p:cBhvr>
-                                      <p:tavLst>
-                                        <p:tav tm="0">
-                                          <p:val>
-                                            <p:strVal val="#ppt_x"/>
-                                          </p:val>
-                                        </p:tav>
-                                        <p:tav tm="100000">
-                                          <p:val>
-                                            <p:strVal val="#ppt_x"/>
-                                          </p:val>
-                                        </p:tav>
-                                      </p:tavLst>
-                                    </p:anim>
-                                    <p:anim calcmode="lin" valueType="num">
-                                      <p:cBhvr>
-                                        <p:cTn id="9" dur="1000" fill="hold"/>
-                                        <p:tgtEl>
-                                          <p:spTgt spid="5"/>
-                                        </p:tgtEl>
-                                        <p:attrNameLst>
-                                          <p:attrName>ppt_y</p:attrName>
-                                        </p:attrNameLst>
-                                      </p:cBhvr>
-                                      <p:tavLst>
-                                        <p:tav tm="0">
-                                          <p:val>
-                                            <p:strVal val="#ppt_y+.1"/>
-                                          </p:val>
-                                        </p:tav>
-                                        <p:tav tm="100000">
-                                          <p:val>
-                                            <p:strVal val="#ppt_y"/>
-                                          </p:val>
-                                        </p:tav>
-                                      </p:tavLst>
-                                    </p:anim>
-                                  </p:childTnLst>
-                                </p:cTn>
-                              </p:par>
-                            </p:childTnLst>
-                          </p:cTn>
-                        </p:par>
-                      </p:childTnLst>
-                    </p:cTn>
-                  </p:par>
-                  <p:par>
-                    <p:cTn id="10" fill="hold">
-                      <p:stCondLst>
-                        <p:cond delay="indefinite"/>
-                      </p:stCondLst>
-                      <p:childTnLst>
-                        <p:par>
-                          <p:cTn id="11" fill="hold">
-                            <p:stCondLst>
-                              <p:cond delay="0"/>
-                            </p:stCondLst>
-                            <p:childTnLst>
-                              <p:par>
-                                <p:cTn id="12" presetID="14" presetClass="entr" presetSubtype="10" fill="hold" grpId="0" nodeType="clickEffect">
-                                  <p:stCondLst>
-                                    <p:cond delay="0"/>
-                                  </p:stCondLst>
-                                  <p:childTnLst>
-                                    <p:set>
-                                      <p:cBhvr>
-                                        <p:cTn id="13" dur="1" fill="hold">
-                                          <p:stCondLst>
-                                            <p:cond delay="0"/>
-                                          </p:stCondLst>
-                                        </p:cTn>
-                                        <p:tgtEl>
-                                          <p:spTgt spid="7"/>
-                                        </p:tgtEl>
-                                        <p:attrNameLst>
-                                          <p:attrName>style.visibility</p:attrName>
-                                        </p:attrNameLst>
-                                      </p:cBhvr>
-                                      <p:to>
-                                        <p:strVal val="visible"/>
-                                      </p:to>
-                                    </p:set>
-                                    <p:animEffect transition="in" filter="randombar(horizontal)">
-                                      <p:cBhvr>
-                                        <p:cTn id="14" dur="500"/>
-                                        <p:tgtEl>
-                                          <p:spTgt spid="7"/>
-                                        </p:tgtEl>
-                                      </p:cBhvr>
-                                    </p:animEffect>
-                                  </p:childTnLst>
-                                </p:cTn>
-                              </p:par>
-                            </p:childTnLst>
-                          </p:cTn>
-                        </p:par>
-                      </p:childTnLst>
-                    </p:cTn>
-                  </p:par>
-                </p:childTnLst>
-              </p:cTn>
-              <p:prevCondLst>
-                <p:cond evt="onPrev" delay="0">
-                  <p:tgtEl>
-                    <p:sldTgt/>
-                  </p:tgtEl>
-                </p:cond>
-              </p:prevCondLst>
-              <p:nextCondLst>
-                <p:cond evt="onNext" delay="0">
-                  <p:tgtEl>
-                    <p:sldTgt/>
-                  </p:tgtEl>
-                </p:cond>
-              </p:nextCondLst>
-            </p:seq>
-          </p:childTnLst>
-        </p:cTn>
-      </p:par>
-    </p:tnLst>
-    <p:bldLst>
-      <p:bldP spid="5" grpId="0"/>
-      <p:bldP spid="7" grpId="0"/>
-    </p:bldLst>
-  </p:timing>
-</p:sld>
-</file>
-
-<file path=ppt/slides/slide2.xml><?xml version="1.0" encoding="utf-8"?>
-<p:sld xmlns:a="http://schemas.openxmlformats.org/drawingml/2006/main" xmlns:r="http://schemas.openxmlformats.org/officeDocument/2006/relationships" xmlns:p="http://schemas.openxmlformats.org/presentationml/2006/main">
-  <p:cSld>
-    <p:spTree>
-      <p:nvGrpSpPr>
-        <p:cNvPr id="1" name=""/>
-        <p:cNvGrpSpPr/>
-        <p:nvPr/>
-      </p:nvGrpSpPr>
-      <p:grpSpPr>
-        <a:xfrm>
-          <a:off x="0" y="0"/>
-          <a:ext cx="0" cy="0"/>
-          <a:chOff x="0" y="0"/>
-          <a:chExt cx="0" cy="0"/>
-        </a:xfrm>
-      </p:grpSpPr>
-      <p:sp>
-        <p:nvSpPr>
-          <p:cNvPr id="2" name="Cím 1">
-            <a:extLst>
-              <a:ext uri="{FF2B5EF4-FFF2-40B4-BE49-F238E27FC236}">
-                <a16:creationId xmlns:a16="http://schemas.microsoft.com/office/drawing/2014/main" id="{14790FA5-8268-E45A-E67A-D9C6DC9A6D73}"/>
-              </a:ext>
-            </a:extLst>
-          </p:cNvPr>
-          <p:cNvSpPr>
-            <a:spLocks noGrp="1"/>
-          </p:cNvSpPr>
-          <p:nvPr>
-            <p:ph type="title"/>
-          </p:nvPr>
-        </p:nvSpPr>
-        <p:spPr>
-          <a:xfrm>
-            <a:off x="1789044" y="702039"/>
-            <a:ext cx="2247774" cy="1140014"/>
-          </a:xfrm>
-        </p:spPr>
-        <p:txBody>
-          <a:bodyPr>
-            <a:normAutofit/>
-          </a:bodyPr>
-          <a:lstStyle/>
-          <a:p>
-            <a:r>
-              <a:rPr lang="hu-HU" sz="4400" dirty="0" err="1">
-                <a:latin typeface="Times New Roman" panose="02020603050405020304" pitchFamily="18" charset="0"/>
-                <a:cs typeface="Times New Roman" panose="02020603050405020304" pitchFamily="18" charset="0"/>
-              </a:rPr>
-              <a:t>Topics</a:t>
-            </a:r>
-            <a:endParaRPr lang="hu-HU" sz="4400" dirty="0">
-              <a:latin typeface="Times New Roman" panose="02020603050405020304" pitchFamily="18" charset="0"/>
-              <a:cs typeface="Times New Roman" panose="02020603050405020304" pitchFamily="18" charset="0"/>
-            </a:endParaRPr>
-          </a:p>
-        </p:txBody>
-      </p:sp>
-      <p:sp>
-        <p:nvSpPr>
-          <p:cNvPr id="3" name="Tartalom helye 2">
-            <a:extLst>
-              <a:ext uri="{FF2B5EF4-FFF2-40B4-BE49-F238E27FC236}">
-                <a16:creationId xmlns:a16="http://schemas.microsoft.com/office/drawing/2014/main" id="{5ABE4B1C-8773-B899-B0CF-4B564BA2C50D}"/>
-              </a:ext>
-            </a:extLst>
-          </p:cNvPr>
-          <p:cNvSpPr>
-            <a:spLocks noGrp="1"/>
-          </p:cNvSpPr>
-          <p:nvPr>
-            <p:ph idx="1"/>
-          </p:nvPr>
-        </p:nvSpPr>
-        <p:spPr>
-          <a:xfrm>
-            <a:off x="3608486" y="2065368"/>
-            <a:ext cx="7796540" cy="3997828"/>
-          </a:xfrm>
-        </p:spPr>
-        <p:txBody>
-          <a:bodyPr>
-            <a:normAutofit/>
-          </a:bodyPr>
-          <a:lstStyle/>
-          <a:p>
-            <a:r>
-              <a:rPr lang="hu-HU" sz="3000" dirty="0">
-                <a:latin typeface="Times New Roman" panose="02020603050405020304" pitchFamily="18" charset="0"/>
-                <a:cs typeface="Times New Roman" panose="02020603050405020304" pitchFamily="18" charset="0"/>
-              </a:rPr>
-              <a:t>The </a:t>
-            </a:r>
-            <a:r>
-              <a:rPr lang="hu-HU" sz="3000" dirty="0" err="1">
-                <a:latin typeface="Times New Roman" panose="02020603050405020304" pitchFamily="18" charset="0"/>
-                <a:cs typeface="Times New Roman" panose="02020603050405020304" pitchFamily="18" charset="0"/>
-              </a:rPr>
-              <a:t>importance</a:t>
-            </a:r>
-            <a:r>
-              <a:rPr lang="hu-HU" sz="3000" dirty="0">
-                <a:latin typeface="Times New Roman" panose="02020603050405020304" pitchFamily="18" charset="0"/>
-                <a:cs typeface="Times New Roman" panose="02020603050405020304" pitchFamily="18" charset="0"/>
-              </a:rPr>
-              <a:t> of </a:t>
-            </a:r>
-            <a:r>
-              <a:rPr lang="hu-HU" sz="3000" dirty="0" err="1">
-                <a:latin typeface="Times New Roman" panose="02020603050405020304" pitchFamily="18" charset="0"/>
-                <a:cs typeface="Times New Roman" panose="02020603050405020304" pitchFamily="18" charset="0"/>
-              </a:rPr>
-              <a:t>healthy</a:t>
-            </a:r>
-            <a:r>
-              <a:rPr lang="hu-HU" sz="3000" dirty="0">
-                <a:latin typeface="Times New Roman" panose="02020603050405020304" pitchFamily="18" charset="0"/>
-                <a:cs typeface="Times New Roman" panose="02020603050405020304" pitchFamily="18" charset="0"/>
-              </a:rPr>
-              <a:t> </a:t>
-            </a:r>
-            <a:r>
-              <a:rPr lang="hu-HU" sz="3000" dirty="0" err="1">
-                <a:latin typeface="Times New Roman" panose="02020603050405020304" pitchFamily="18" charset="0"/>
-                <a:cs typeface="Times New Roman" panose="02020603050405020304" pitchFamily="18" charset="0"/>
-              </a:rPr>
-              <a:t>eating</a:t>
-            </a:r>
-            <a:endParaRPr lang="hu-HU" sz="3000" dirty="0">
-              <a:latin typeface="Times New Roman" panose="02020603050405020304" pitchFamily="18" charset="0"/>
-              <a:cs typeface="Times New Roman" panose="02020603050405020304" pitchFamily="18" charset="0"/>
-            </a:endParaRPr>
-          </a:p>
-          <a:p>
-            <a:r>
-              <a:rPr lang="hu-HU" sz="3000" i="0" dirty="0" err="1">
-                <a:effectLst/>
-                <a:latin typeface="Times New Roman" panose="02020603050405020304" pitchFamily="18" charset="0"/>
-                <a:cs typeface="Times New Roman" panose="02020603050405020304" pitchFamily="18" charset="0"/>
-              </a:rPr>
-              <a:t>Physical</a:t>
-            </a:r>
-            <a:r>
-              <a:rPr lang="hu-HU" sz="3000" i="0" dirty="0">
-                <a:effectLst/>
-                <a:latin typeface="Times New Roman" panose="02020603050405020304" pitchFamily="18" charset="0"/>
-                <a:cs typeface="Times New Roman" panose="02020603050405020304" pitchFamily="18" charset="0"/>
-              </a:rPr>
-              <a:t> and </a:t>
-            </a:r>
-            <a:r>
-              <a:rPr lang="hu-HU" sz="3000" i="0" dirty="0" err="1">
-                <a:effectLst/>
-                <a:latin typeface="Times New Roman" panose="02020603050405020304" pitchFamily="18" charset="0"/>
-                <a:cs typeface="Times New Roman" panose="02020603050405020304" pitchFamily="18" charset="0"/>
-              </a:rPr>
-              <a:t>mental</a:t>
-            </a:r>
-            <a:r>
-              <a:rPr lang="hu-HU" sz="3000" i="0" dirty="0">
-                <a:effectLst/>
-                <a:latin typeface="Times New Roman" panose="02020603050405020304" pitchFamily="18" charset="0"/>
-                <a:cs typeface="Times New Roman" panose="02020603050405020304" pitchFamily="18" charset="0"/>
-              </a:rPr>
-              <a:t> </a:t>
-            </a:r>
-            <a:r>
-              <a:rPr lang="hu-HU" sz="3000" i="0" dirty="0" err="1">
-                <a:effectLst/>
-                <a:latin typeface="Times New Roman" panose="02020603050405020304" pitchFamily="18" charset="0"/>
-                <a:cs typeface="Times New Roman" panose="02020603050405020304" pitchFamily="18" charset="0"/>
-              </a:rPr>
-              <a:t>health</a:t>
-            </a:r>
-            <a:endParaRPr lang="hu-HU" sz="3000" i="0" dirty="0">
-              <a:effectLst/>
-              <a:latin typeface="Times New Roman" panose="02020603050405020304" pitchFamily="18" charset="0"/>
-              <a:cs typeface="Times New Roman" panose="02020603050405020304" pitchFamily="18" charset="0"/>
-            </a:endParaRPr>
-          </a:p>
-          <a:p>
-            <a:r>
-              <a:rPr lang="hu-HU" sz="3000" dirty="0">
-                <a:latin typeface="Times New Roman" panose="02020603050405020304" pitchFamily="18" charset="0"/>
-                <a:cs typeface="Times New Roman" panose="02020603050405020304" pitchFamily="18" charset="0"/>
-              </a:rPr>
-              <a:t>Basic </a:t>
-            </a:r>
-            <a:r>
-              <a:rPr lang="hu-HU" sz="3000" dirty="0" err="1">
-                <a:latin typeface="Times New Roman" panose="02020603050405020304" pitchFamily="18" charset="0"/>
-                <a:cs typeface="Times New Roman" panose="02020603050405020304" pitchFamily="18" charset="0"/>
-              </a:rPr>
-              <a:t>foods</a:t>
-            </a:r>
-            <a:endParaRPr lang="hu-HU" sz="3000" dirty="0">
-              <a:latin typeface="Times New Roman" panose="02020603050405020304" pitchFamily="18" charset="0"/>
-              <a:cs typeface="Times New Roman" panose="02020603050405020304" pitchFamily="18" charset="0"/>
-            </a:endParaRPr>
-          </a:p>
-          <a:p>
-            <a:r>
-              <a:rPr lang="hu-HU" sz="3000" dirty="0">
-                <a:latin typeface="Times New Roman" panose="02020603050405020304" pitchFamily="18" charset="0"/>
-                <a:cs typeface="Times New Roman" panose="02020603050405020304" pitchFamily="18" charset="0"/>
-              </a:rPr>
-              <a:t>The </a:t>
-            </a:r>
-            <a:r>
-              <a:rPr lang="hu-HU" sz="3000" dirty="0" err="1">
-                <a:latin typeface="Times New Roman" panose="02020603050405020304" pitchFamily="18" charset="0"/>
-                <a:cs typeface="Times New Roman" panose="02020603050405020304" pitchFamily="18" charset="0"/>
-              </a:rPr>
-              <a:t>factors</a:t>
-            </a:r>
-            <a:r>
-              <a:rPr lang="hu-HU" sz="3000" dirty="0">
-                <a:latin typeface="Times New Roman" panose="02020603050405020304" pitchFamily="18" charset="0"/>
-                <a:cs typeface="Times New Roman" panose="02020603050405020304" pitchFamily="18" charset="0"/>
-              </a:rPr>
-              <a:t> </a:t>
-            </a:r>
-            <a:r>
-              <a:rPr lang="hu-HU" sz="3000" dirty="0" err="1">
-                <a:latin typeface="Times New Roman" panose="02020603050405020304" pitchFamily="18" charset="0"/>
-                <a:cs typeface="Times New Roman" panose="02020603050405020304" pitchFamily="18" charset="0"/>
-              </a:rPr>
-              <a:t>to</a:t>
-            </a:r>
-            <a:r>
-              <a:rPr lang="hu-HU" sz="3000" dirty="0">
-                <a:latin typeface="Times New Roman" panose="02020603050405020304" pitchFamily="18" charset="0"/>
-                <a:cs typeface="Times New Roman" panose="02020603050405020304" pitchFamily="18" charset="0"/>
-              </a:rPr>
-              <a:t> </a:t>
-            </a:r>
-            <a:r>
-              <a:rPr lang="hu-HU" sz="3000" dirty="0" err="1">
-                <a:latin typeface="Times New Roman" panose="02020603050405020304" pitchFamily="18" charset="0"/>
-                <a:cs typeface="Times New Roman" panose="02020603050405020304" pitchFamily="18" charset="0"/>
-              </a:rPr>
-              <a:t>avoid</a:t>
-            </a:r>
-            <a:endParaRPr lang="hu-HU" sz="3000" dirty="0">
-              <a:latin typeface="Times New Roman" panose="02020603050405020304" pitchFamily="18" charset="0"/>
-              <a:cs typeface="Times New Roman" panose="02020603050405020304" pitchFamily="18" charset="0"/>
-            </a:endParaRPr>
-          </a:p>
-        </p:txBody>
-      </p:sp>
-    </p:spTree>
-    <p:extLst>
-      <p:ext uri="{BB962C8B-B14F-4D97-AF65-F5344CB8AC3E}">
-        <p14:creationId xmlns:p14="http://schemas.microsoft.com/office/powerpoint/2010/main" val="486483269"/>
-      </p:ext>
-    </p:extLst>
-  </p:cSld>
-  <p:clrMapOvr>
-    <a:masterClrMapping/>
-  </p:clrMapOvr>
-  <p:transition spd="slow">
-    <p:push dir="u"/>
-  </p:transition>
-  <p:timing>
-    <p:tnLst>
-      <p:par>
-        <p:cTn id="1" dur="indefinite" restart="never" nodeType="tmRoot">
-          <p:childTnLst>
-            <p:seq concurrent="1" nextAc="seek">
-              <p:cTn id="2" dur="indefinite" nodeType="mainSeq">
-                <p:childTnLst>
-                  <p:par>
-                    <p:cTn id="3" fill="hold">
-                      <p:stCondLst>
-                        <p:cond delay="indefinite"/>
-                      </p:stCondLst>
-                      <p:childTnLst>
-                        <p:par>
-                          <p:cTn id="4" fill="hold">
-                            <p:stCondLst>
-                              <p:cond delay="0"/>
-                            </p:stCondLst>
-                            <p:childTnLst>
-                              <p:par>
-                                <p:cTn id="5" presetID="42" presetClass="entr" presetSubtype="0" fill="hold" grpId="0" nodeType="clickEffect">
-                                  <p:stCondLst>
-                                    <p:cond delay="0"/>
-                                  </p:stCondLst>
-                                  <p:childTnLst>
-                                    <p:set>
-                                      <p:cBhvr>
-                                        <p:cTn id="6" dur="1" fill="hold">
-                                          <p:stCondLst>
-                                            <p:cond delay="0"/>
-                                          </p:stCondLst>
-                                        </p:cTn>
-                                        <p:tgtEl>
-                                          <p:spTgt spid="2"/>
-                                        </p:tgtEl>
-                                        <p:attrNameLst>
-                                          <p:attrName>style.visibility</p:attrName>
-                                        </p:attrNameLst>
-                                      </p:cBhvr>
-                                      <p:to>
-                                        <p:strVal val="visible"/>
-                                      </p:to>
-                                    </p:set>
-                                    <p:animEffect transition="in" filter="fade">
-                                      <p:cBhvr>
-                                        <p:cTn id="7" dur="1000"/>
-                                        <p:tgtEl>
-                                          <p:spTgt spid="2"/>
-                                        </p:tgtEl>
-                                      </p:cBhvr>
-                                    </p:animEffect>
-                                    <p:anim calcmode="lin" valueType="num">
-                                      <p:cBhvr>
-                                        <p:cTn id="8" dur="1000" fill="hold"/>
-                                        <p:tgtEl>
-                                          <p:spTgt spid="2"/>
-                                        </p:tgtEl>
-                                        <p:attrNameLst>
-                                          <p:attrName>ppt_x</p:attrName>
-                                        </p:attrNameLst>
-                                      </p:cBhvr>
-                                      <p:tavLst>
-                                        <p:tav tm="0">
-                                          <p:val>
-                                            <p:strVal val="#ppt_x"/>
-                                          </p:val>
-                                        </p:tav>
-                                        <p:tav tm="100000">
-                                          <p:val>
-                                            <p:strVal val="#ppt_x"/>
-                                          </p:val>
-                                        </p:tav>
-                                      </p:tavLst>
-                                    </p:anim>
-                                    <p:anim calcmode="lin" valueType="num">
-                                      <p:cBhvr>
-                                        <p:cTn id="9" dur="1000" fill="hold"/>
-                                        <p:tgtEl>
-                                          <p:spTgt spid="2"/>
-                                        </p:tgtEl>
-                                        <p:attrNameLst>
-                                          <p:attrName>ppt_y</p:attrName>
-                                        </p:attrNameLst>
-                                      </p:cBhvr>
-                                      <p:tavLst>
-                                        <p:tav tm="0">
-                                          <p:val>
-                                            <p:strVal val="#ppt_y+.1"/>
-                                          </p:val>
-                                        </p:tav>
-                                        <p:tav tm="100000">
-                                          <p:val>
-                                            <p:strVal val="#ppt_y"/>
-                                          </p:val>
-                                        </p:tav>
-                                      </p:tavLst>
-                                    </p:anim>
-                                  </p:childTnLst>
-                                </p:cTn>
-                              </p:par>
-                            </p:childTnLst>
-                          </p:cTn>
-                        </p:par>
-                      </p:childTnLst>
-                    </p:cTn>
-                  </p:par>
-                  <p:par>
-                    <p:cTn id="10" fill="hold">
-                      <p:stCondLst>
-                        <p:cond delay="indefinite"/>
-                      </p:stCondLst>
-                      <p:childTnLst>
-                        <p:par>
-                          <p:cTn id="11" fill="hold">
-                            <p:stCondLst>
-                              <p:cond delay="0"/>
-                            </p:stCondLst>
-                            <p:childTnLst>
-                              <p:par>
-                                <p:cTn id="12" presetID="22" presetClass="entr" presetSubtype="4" fill="hold" grpId="0" nodeType="clickEffect">
-                                  <p:stCondLst>
-                                    <p:cond delay="0"/>
-                                  </p:stCondLst>
-                                  <p:childTnLst>
-                                    <p:set>
-                                      <p:cBhvr>
-                                        <p:cTn id="13" dur="1" fill="hold">
-                                          <p:stCondLst>
-                                            <p:cond delay="0"/>
-                                          </p:stCondLst>
-                                        </p:cTn>
-                                        <p:tgtEl>
-                                          <p:spTgt spid="3">
-                                            <p:txEl>
-                                              <p:pRg st="0" end="0"/>
-                                            </p:txEl>
-                                          </p:spTgt>
-                                        </p:tgtEl>
-                                        <p:attrNameLst>
-                                          <p:attrName>style.visibility</p:attrName>
-                                        </p:attrNameLst>
-                                      </p:cBhvr>
-                                      <p:to>
-                                        <p:strVal val="visible"/>
-                                      </p:to>
-                                    </p:set>
-                                    <p:animEffect transition="in" filter="wipe(down)">
-                                      <p:cBhvr>
-                                        <p:cTn id="14" dur="500"/>
-                                        <p:tgtEl>
-                                          <p:spTgt spid="3">
-                                            <p:txEl>
-                                              <p:pRg st="0" end="0"/>
-                                            </p:txEl>
-                                          </p:spTgt>
-                                        </p:tgtEl>
-                                      </p:cBhvr>
-                                    </p:animEffect>
-                                  </p:childTnLst>
-                                </p:cTn>
-                              </p:par>
-                            </p:childTnLst>
-                          </p:cTn>
-                        </p:par>
-                      </p:childTnLst>
-                    </p:cTn>
-                  </p:par>
-                  <p:par>
-                    <p:cTn id="15" fill="hold">
-                      <p:stCondLst>
-                        <p:cond delay="indefinite"/>
-                      </p:stCondLst>
-                      <p:childTnLst>
-                        <p:par>
-                          <p:cTn id="16" fill="hold">
-                            <p:stCondLst>
-                              <p:cond delay="0"/>
-                            </p:stCondLst>
-                            <p:childTnLst>
-                              <p:par>
-                                <p:cTn id="17" presetID="22" presetClass="entr" presetSubtype="4" fill="hold" grpId="0" nodeType="clickEffect">
-                                  <p:stCondLst>
-                                    <p:cond delay="0"/>
-                                  </p:stCondLst>
-                                  <p:childTnLst>
-                                    <p:set>
-                                      <p:cBhvr>
-                                        <p:cTn id="18" dur="1" fill="hold">
-                                          <p:stCondLst>
-                                            <p:cond delay="0"/>
-                                          </p:stCondLst>
-                                        </p:cTn>
-                                        <p:tgtEl>
-                                          <p:spTgt spid="3">
-                                            <p:txEl>
-                                              <p:pRg st="1" end="1"/>
-                                            </p:txEl>
-                                          </p:spTgt>
-                                        </p:tgtEl>
-                                        <p:attrNameLst>
-                                          <p:attrName>style.visibility</p:attrName>
-                                        </p:attrNameLst>
-                                      </p:cBhvr>
-                                      <p:to>
-                                        <p:strVal val="visible"/>
-                                      </p:to>
-                                    </p:set>
-                                    <p:animEffect transition="in" filter="wipe(down)">
-                                      <p:cBhvr>
-                                        <p:cTn id="19" dur="500"/>
-                                        <p:tgtEl>
-                                          <p:spTgt spid="3">
-                                            <p:txEl>
-                                              <p:pRg st="1" end="1"/>
-                                            </p:txEl>
-                                          </p:spTgt>
-                                        </p:tgtEl>
-                                      </p:cBhvr>
-                                    </p:animEffect>
-                                  </p:childTnLst>
-                                </p:cTn>
-                              </p:par>
-                            </p:childTnLst>
-                          </p:cTn>
-                        </p:par>
-                      </p:childTnLst>
-                    </p:cTn>
-                  </p:par>
-                  <p:par>
-                    <p:cTn id="20" fill="hold">
-                      <p:stCondLst>
-                        <p:cond delay="indefinite"/>
-                      </p:stCondLst>
-                      <p:childTnLst>
-                        <p:par>
-                          <p:cTn id="21" fill="hold">
-                            <p:stCondLst>
-                              <p:cond delay="0"/>
-                            </p:stCondLst>
-                            <p:childTnLst>
-                              <p:par>
-                                <p:cTn id="22" presetID="22" presetClass="entr" presetSubtype="4" fill="hold" grpId="0" nodeType="clickEffect">
-                                  <p:stCondLst>
-                                    <p:cond delay="0"/>
-                                  </p:stCondLst>
-                                  <p:childTnLst>
-                                    <p:set>
-                                      <p:cBhvr>
-                                        <p:cTn id="23" dur="1" fill="hold">
-                                          <p:stCondLst>
-                                            <p:cond delay="0"/>
-                                          </p:stCondLst>
-                                        </p:cTn>
-                                        <p:tgtEl>
-                                          <p:spTgt spid="3">
-                                            <p:txEl>
-                                              <p:pRg st="2" end="2"/>
-                                            </p:txEl>
-                                          </p:spTgt>
-                                        </p:tgtEl>
-                                        <p:attrNameLst>
-                                          <p:attrName>style.visibility</p:attrName>
-                                        </p:attrNameLst>
-                                      </p:cBhvr>
-                                      <p:to>
-                                        <p:strVal val="visible"/>
-                                      </p:to>
-                                    </p:set>
-                                    <p:animEffect transition="in" filter="wipe(down)">
-                                      <p:cBhvr>
-                                        <p:cTn id="24" dur="500"/>
-                                        <p:tgtEl>
-                                          <p:spTgt spid="3">
-                                            <p:txEl>
-                                              <p:pRg st="2" end="2"/>
-                                            </p:txEl>
-                                          </p:spTgt>
-                                        </p:tgtEl>
-                                      </p:cBhvr>
-                                    </p:animEffect>
-                                  </p:childTnLst>
-                                </p:cTn>
-                              </p:par>
-                            </p:childTnLst>
-                          </p:cTn>
-                        </p:par>
-                      </p:childTnLst>
-                    </p:cTn>
-                  </p:par>
-                  <p:par>
-                    <p:cTn id="25" fill="hold">
-                      <p:stCondLst>
-                        <p:cond delay="indefinite"/>
-                      </p:stCondLst>
-                      <p:childTnLst>
-                        <p:par>
-                          <p:cTn id="26" fill="hold">
-                            <p:stCondLst>
-                              <p:cond delay="0"/>
-                            </p:stCondLst>
-                            <p:childTnLst>
-                              <p:par>
-                                <p:cTn id="27" presetID="22" presetClass="entr" presetSubtype="4" fill="hold" grpId="0" nodeType="clickEffect">
-                                  <p:stCondLst>
-                                    <p:cond delay="0"/>
-                                  </p:stCondLst>
-                                  <p:childTnLst>
-                                    <p:set>
-                                      <p:cBhvr>
-                                        <p:cTn id="28" dur="1" fill="hold">
-                                          <p:stCondLst>
-                                            <p:cond delay="0"/>
-                                          </p:stCondLst>
-                                        </p:cTn>
-                                        <p:tgtEl>
-                                          <p:spTgt spid="3">
-                                            <p:txEl>
-                                              <p:pRg st="3" end="3"/>
-                                            </p:txEl>
-                                          </p:spTgt>
-                                        </p:tgtEl>
-                                        <p:attrNameLst>
-                                          <p:attrName>style.visibility</p:attrName>
-                                        </p:attrNameLst>
-                                      </p:cBhvr>
-                                      <p:to>
-                                        <p:strVal val="visible"/>
-                                      </p:to>
-                                    </p:set>
-                                    <p:animEffect transition="in" filter="wipe(down)">
-                                      <p:cBhvr>
-                                        <p:cTn id="29" dur="500"/>
-                                        <p:tgtEl>
-                                          <p:spTgt spid="3">
-                                            <p:txEl>
-                                              <p:pRg st="3" end="3"/>
-                                            </p:txEl>
-                                          </p:spTgt>
-                                        </p:tgtEl>
-                                      </p:cBhvr>
-                                    </p:animEffect>
-                                  </p:childTnLst>
-                                </p:cTn>
-                              </p:par>
-                            </p:childTnLst>
-                          </p:cTn>
-                        </p:par>
-                      </p:childTnLst>
-                    </p:cTn>
-                  </p:par>
-                </p:childTnLst>
-              </p:cTn>
-              <p:prevCondLst>
-                <p:cond evt="onPrev" delay="0">
-                  <p:tgtEl>
-                    <p:sldTgt/>
-                  </p:tgtEl>
-                </p:cond>
-              </p:prevCondLst>
-              <p:nextCondLst>
-                <p:cond evt="onNext" delay="0">
-                  <p:tgtEl>
-                    <p:sldTgt/>
-                  </p:tgtEl>
-                </p:cond>
-              </p:nextCondLst>
-            </p:seq>
-          </p:childTnLst>
-        </p:cTn>
-      </p:par>
-    </p:tnLst>
-    <p:bldLst>
-      <p:bldP spid="2" grpId="0"/>
-      <p:bldP spid="3" grpId="0" build="p"/>
-    </p:bldLst>
-  </p:timing>
-</p:sld>
-</file>
-
-<file path=ppt/slides/slide3.xml><?xml version="1.0" encoding="utf-8"?>
-<p:sld xmlns:a="http://schemas.openxmlformats.org/drawingml/2006/main" xmlns:r="http://schemas.openxmlformats.org/officeDocument/2006/relationships" xmlns:p="http://schemas.openxmlformats.org/presentationml/2006/main">
-  <p:cSld>
-    <p:spTree>
-      <p:nvGrpSpPr>
-        <p:cNvPr id="1" name=""/>
-        <p:cNvGrpSpPr/>
-        <p:nvPr/>
-      </p:nvGrpSpPr>
-      <p:grpSpPr>
-        <a:xfrm>
-          <a:off x="0" y="0"/>
-          <a:ext cx="0" cy="0"/>
-          <a:chOff x="0" y="0"/>
-          <a:chExt cx="0" cy="0"/>
-        </a:xfrm>
-      </p:grpSpPr>
-      <p:sp>
-        <p:nvSpPr>
-          <p:cNvPr id="5" name="Szövegdoboz 4">
-            <a:extLst>
-              <a:ext uri="{FF2B5EF4-FFF2-40B4-BE49-F238E27FC236}">
                 <a16:creationId xmlns:a16="http://schemas.microsoft.com/office/drawing/2014/main" id="{C44FA758-17D5-80AD-CC6B-0E26FD137D24}"/>
               </a:ext>
             </a:extLst>
@@ -5843,56 +4818,6 @@
           </a:p>
         </p:txBody>
       </p:sp>
-      <p:pic>
-        <p:nvPicPr>
-          <p:cNvPr id="1026" name="Picture 2" descr="20 Funny Life Changing Eating Healthy Memes - SayingImages.com">
-            <a:extLst>
-              <a:ext uri="{FF2B5EF4-FFF2-40B4-BE49-F238E27FC236}">
-                <a16:creationId xmlns:a16="http://schemas.microsoft.com/office/drawing/2014/main" id="{CA05A6BA-A87D-001D-3EDA-79461A4C72A7}"/>
-              </a:ext>
-            </a:extLst>
-          </p:cNvPr>
-          <p:cNvPicPr>
-            <a:picLocks noChangeAspect="1" noChangeArrowheads="1"/>
-          </p:cNvPicPr>
-          <p:nvPr/>
-        </p:nvPicPr>
-        <p:blipFill>
-          <a:blip r:embed="rId2">
-            <a:extLst>
-              <a:ext uri="{28A0092B-C50C-407E-A947-70E740481C1C}">
-                <a14:useLocalDpi xmlns:a14="http://schemas.microsoft.com/office/drawing/2010/main" val="0"/>
-              </a:ext>
-            </a:extLst>
-          </a:blip>
-          <a:srcRect/>
-          <a:stretch>
-            <a:fillRect/>
-          </a:stretch>
-        </p:blipFill>
-        <p:spPr bwMode="auto">
-          <a:xfrm>
-            <a:off x="7652302" y="2001599"/>
-            <a:ext cx="4539698" cy="4539698"/>
-          </a:xfrm>
-          <a:prstGeom prst="rect">
-            <a:avLst/>
-          </a:prstGeom>
-          <a:noFill/>
-          <a:effectLst>
-            <a:softEdge rad="50800"/>
-          </a:effectLst>
-          <a:extLst>
-            <a:ext uri="{909E8E84-426E-40DD-AFC4-6F175D3DCCD1}">
-              <a14:hiddenFill xmlns:a14="http://schemas.microsoft.com/office/drawing/2010/main">
-                <a:solidFill>
-                  <a:srgbClr val="FFFFFF"/>
-                </a:solidFill>
-              </a14:hiddenFill>
-            </a:ext>
-          </a:extLst>
-        </p:spPr>
-      </p:pic>
     </p:spTree>
     <p:extLst>
       <p:ext uri="{BB962C8B-B14F-4D97-AF65-F5344CB8AC3E}">
@@ -6243,105 +5168,6 @@
                       </p:childTnLst>
                     </p:cTn>
                   </p:par>
-                  <p:par>
-                    <p:cTn id="24" fill="hold">
-                      <p:stCondLst>
-                        <p:cond delay="indefinite"/>
-                      </p:stCondLst>
-                      <p:childTnLst>
-                        <p:par>
-                          <p:cTn id="25" fill="hold">
-                            <p:stCondLst>
-                              <p:cond delay="0"/>
-                            </p:stCondLst>
-                            <p:childTnLst>
-                              <p:par>
-                                <p:cTn id="26" presetID="42" presetClass="entr" presetSubtype="0" fill="hold" nodeType="clickEffect">
-                                  <p:stCondLst>
-                                    <p:cond delay="0"/>
-                                  </p:stCondLst>
-                                  <p:childTnLst>
-                                    <p:set>
-                                      <p:cBhvr>
-                                        <p:cTn id="27" dur="1" fill="hold">
-                                          <p:stCondLst>
-                                            <p:cond delay="0"/>
-                                          </p:stCondLst>
-                                        </p:cTn>
-                                        <p:tgtEl>
-                                          <p:spTgt spid="1026"/>
-                                        </p:tgtEl>
-                                        <p:attrNameLst>
-                                          <p:attrName>style.visibility</p:attrName>
-                                        </p:attrNameLst>
-                                      </p:cBhvr>
-                                      <p:to>
-                                        <p:strVal val="visible"/>
-                                      </p:to>
-                                    </p:set>
-                                    <p:animEffect transition="in" filter="fade">
-                                      <p:cBhvr>
-                                        <p:cTn id="28" dur="1000"/>
-                                        <p:tgtEl>
-                                          <p:spTgt spid="1026"/>
-                                        </p:tgtEl>
-                                      </p:cBhvr>
-                                    </p:animEffect>
-                                    <p:anim calcmode="lin" valueType="num">
-                                      <p:cBhvr>
-                                        <p:cTn id="29" dur="1000" fill="hold"/>
-                                        <p:tgtEl>
-                                          <p:spTgt spid="1026"/>
-                                        </p:tgtEl>
-                                        <p:attrNameLst>
-                                          <p:attrName>ppt_x</p:attrName>
-                                        </p:attrNameLst>
-                                      </p:cBhvr>
-                                      <p:tavLst>
-                                        <p:tav tm="0">
-                                          <p:val>
-                                            <p:strVal val="#ppt_x"/>
-                                          </p:val>
-                                        </p:tav>
-                                        <p:tav tm="100000">
-                                          <p:val>
-                                            <p:strVal val="#ppt_x"/>
-                                          </p:val>
-                                        </p:tav>
-                                      </p:tavLst>
-                                    </p:anim>
-                                    <p:anim calcmode="lin" valueType="num">
-                                      <p:cBhvr>
-                                        <p:cTn id="30" dur="1000" fill="hold"/>
-                                        <p:tgtEl>
-                                          <p:spTgt spid="1026"/>
-                                        </p:tgtEl>
-                                        <p:attrNameLst>
-                                          <p:attrName>ppt_y</p:attrName>
-                                        </p:attrNameLst>
-                                      </p:cBhvr>
-                                      <p:tavLst>
-                                        <p:tav tm="0">
-                                          <p:val>
-                                            <p:strVal val="#ppt_y+.1"/>
-                                          </p:val>
-                                        </p:tav>
-                                        <p:tav tm="100000">
-                                          <p:val>
-                                            <p:strVal val="#ppt_y"/>
-                                          </p:val>
-                                        </p:tav>
-                                      </p:tavLst>
-                                    </p:anim>
-                                  </p:childTnLst>
-                                </p:cTn>
-                              </p:par>
-                            </p:childTnLst>
-                          </p:cTn>
-                        </p:par>
-                      </p:childTnLst>
-                    </p:cTn>
-                  </p:par>
                 </p:childTnLst>
               </p:cTn>
               <p:prevCondLst>
@@ -6370,7 +5196,7 @@
 </p:sld>
 </file>
 
-<file path=ppt/slides/slide4.xml><?xml version="1.0" encoding="utf-8"?>
+<file path=ppt/slides/slide2.xml><?xml version="1.0" encoding="utf-8"?>
 <p:sld xmlns:a="http://schemas.openxmlformats.org/drawingml/2006/main" xmlns:r="http://schemas.openxmlformats.org/officeDocument/2006/relationships" xmlns:p="http://schemas.openxmlformats.org/presentationml/2006/main">
   <p:cSld>
     <p:spTree>
@@ -7034,7 +5860,7 @@
 </p:sld>
 </file>
 
-<file path=ppt/slides/slide5.xml><?xml version="1.0" encoding="utf-8"?>
+<file path=ppt/slides/slide3.xml><?xml version="1.0" encoding="utf-8"?>
 <p:sld xmlns:a="http://schemas.openxmlformats.org/drawingml/2006/main" xmlns:r="http://schemas.openxmlformats.org/officeDocument/2006/relationships" xmlns:p="http://schemas.openxmlformats.org/presentationml/2006/main">
   <p:cSld>
     <p:spTree>
@@ -7976,7 +6802,7 @@
 </p:sld>
 </file>
 
-<file path=ppt/slides/slide6.xml><?xml version="1.0" encoding="utf-8"?>
+<file path=ppt/slides/slide4.xml><?xml version="1.0" encoding="utf-8"?>
 <p:sld xmlns:a="http://schemas.openxmlformats.org/drawingml/2006/main" xmlns:r="http://schemas.openxmlformats.org/officeDocument/2006/relationships" xmlns:p="http://schemas.openxmlformats.org/presentationml/2006/main">
   <p:cSld>
     <p:spTree>
@@ -8791,816 +7617,6 @@
 </p:sld>
 </file>
 
-<file path=ppt/slides/slide7.xml><?xml version="1.0" encoding="utf-8"?>
-<p:sld xmlns:a="http://schemas.openxmlformats.org/drawingml/2006/main" xmlns:r="http://schemas.openxmlformats.org/officeDocument/2006/relationships" xmlns:p="http://schemas.openxmlformats.org/presentationml/2006/main">
-  <p:cSld>
-    <p:spTree>
-      <p:nvGrpSpPr>
-        <p:cNvPr id="1" name=""/>
-        <p:cNvGrpSpPr/>
-        <p:nvPr/>
-      </p:nvGrpSpPr>
-      <p:grpSpPr>
-        <a:xfrm>
-          <a:off x="0" y="0"/>
-          <a:ext cx="0" cy="0"/>
-          <a:chOff x="0" y="0"/>
-          <a:chExt cx="0" cy="0"/>
-        </a:xfrm>
-      </p:grpSpPr>
-      <p:sp>
-        <p:nvSpPr>
-          <p:cNvPr id="2" name="Cím 1">
-            <a:extLst>
-              <a:ext uri="{FF2B5EF4-FFF2-40B4-BE49-F238E27FC236}">
-                <a16:creationId xmlns:a16="http://schemas.microsoft.com/office/drawing/2014/main" id="{38F94D8C-4522-C87D-7A8A-C61B85919FA1}"/>
-              </a:ext>
-            </a:extLst>
-          </p:cNvPr>
-          <p:cNvSpPr>
-            <a:spLocks noGrp="1"/>
-          </p:cNvSpPr>
-          <p:nvPr>
-            <p:ph type="title"/>
-          </p:nvPr>
-        </p:nvSpPr>
-        <p:spPr>
-          <a:xfrm>
-            <a:off x="2372138" y="767973"/>
-            <a:ext cx="2001079" cy="795783"/>
-          </a:xfrm>
-        </p:spPr>
-        <p:txBody>
-          <a:bodyPr>
-            <a:noAutofit/>
-          </a:bodyPr>
-          <a:lstStyle/>
-          <a:p>
-            <a:r>
-              <a:rPr lang="hu-HU" sz="4400" dirty="0" err="1">
-                <a:latin typeface="Times New Roman" panose="02020603050405020304" pitchFamily="18" charset="0"/>
-                <a:cs typeface="Times New Roman" panose="02020603050405020304" pitchFamily="18" charset="0"/>
-              </a:rPr>
-              <a:t>Sources</a:t>
-            </a:r>
-            <a:endParaRPr lang="hu-HU" sz="4400" dirty="0">
-              <a:latin typeface="Times New Roman" panose="02020603050405020304" pitchFamily="18" charset="0"/>
-              <a:cs typeface="Times New Roman" panose="02020603050405020304" pitchFamily="18" charset="0"/>
-            </a:endParaRPr>
-          </a:p>
-        </p:txBody>
-      </p:sp>
-      <p:sp>
-        <p:nvSpPr>
-          <p:cNvPr id="4" name="Szövegdoboz 3">
-            <a:extLst>
-              <a:ext uri="{FF2B5EF4-FFF2-40B4-BE49-F238E27FC236}">
-                <a16:creationId xmlns:a16="http://schemas.microsoft.com/office/drawing/2014/main" id="{9A4ACAD3-0C67-46FB-8980-36E3060E37B2}"/>
-              </a:ext>
-            </a:extLst>
-          </p:cNvPr>
-          <p:cNvSpPr txBox="1"/>
-          <p:nvPr/>
-        </p:nvSpPr>
-        <p:spPr>
-          <a:xfrm>
-            <a:off x="2524537" y="2608266"/>
-            <a:ext cx="7626627" cy="2046714"/>
-          </a:xfrm>
-          <a:prstGeom prst="rect">
-            <a:avLst/>
-          </a:prstGeom>
-          <a:noFill/>
-        </p:spPr>
-        <p:txBody>
-          <a:bodyPr wrap="square" rtlCol="0">
-            <a:spAutoFit/>
-          </a:bodyPr>
-          <a:lstStyle/>
-          <a:p>
-            <a:pPr marL="342900" indent="-342900">
-              <a:spcBef>
-                <a:spcPts val="600"/>
-              </a:spcBef>
-              <a:buFont typeface="Wingdings" panose="05000000000000000000" pitchFamily="2" charset="2"/>
-              <a:buChar char="§"/>
-            </a:pPr>
-            <a:r>
-              <a:rPr lang="hu-HU" sz="2800" dirty="0">
-                <a:solidFill>
-                  <a:schemeClr val="tx2"/>
-                </a:solidFill>
-                <a:latin typeface="Times New Roman" panose="02020603050405020304" pitchFamily="18" charset="0"/>
-                <a:cs typeface="Times New Roman" panose="02020603050405020304" pitchFamily="18" charset="0"/>
-                <a:hlinkClick r:id="rId2">
-                  <a:extLst>
-                    <a:ext uri="{A12FA001-AC4F-418D-AE19-62706E023703}">
-                      <ahyp:hlinkClr xmlns:ahyp="http://schemas.microsoft.com/office/drawing/2018/hyperlinkcolor" val="tx"/>
-                    </a:ext>
-                  </a:extLst>
-                </a:hlinkClick>
-              </a:rPr>
-              <a:t>https://www.bing.com/images</a:t>
-            </a:r>
-            <a:endParaRPr lang="hu-HU" sz="2800" dirty="0">
-              <a:solidFill>
-                <a:schemeClr val="tx2"/>
-              </a:solidFill>
-              <a:latin typeface="Times New Roman" panose="02020603050405020304" pitchFamily="18" charset="0"/>
-              <a:cs typeface="Times New Roman" panose="02020603050405020304" pitchFamily="18" charset="0"/>
-            </a:endParaRPr>
-          </a:p>
-          <a:p>
-            <a:pPr marL="342900" indent="-342900">
-              <a:spcBef>
-                <a:spcPts val="600"/>
-              </a:spcBef>
-              <a:buFont typeface="Wingdings" panose="05000000000000000000" pitchFamily="2" charset="2"/>
-              <a:buChar char="§"/>
-            </a:pPr>
-            <a:r>
-              <a:rPr lang="hu-HU" sz="2800" dirty="0">
-                <a:solidFill>
-                  <a:schemeClr val="tx2"/>
-                </a:solidFill>
-                <a:latin typeface="Times New Roman" panose="02020603050405020304" pitchFamily="18" charset="0"/>
-                <a:cs typeface="Times New Roman" panose="02020603050405020304" pitchFamily="18" charset="0"/>
-                <a:hlinkClick r:id="rId3">
-                  <a:extLst>
-                    <a:ext uri="{A12FA001-AC4F-418D-AE19-62706E023703}">
-                      <ahyp:hlinkClr xmlns:ahyp="http://schemas.microsoft.com/office/drawing/2018/hyperlinkcolor" val="tx"/>
-                    </a:ext>
-                  </a:extLst>
-                </a:hlinkClick>
-              </a:rPr>
-              <a:t>McDonald’s HU (mcdonalds.com)</a:t>
-            </a:r>
-            <a:endParaRPr lang="hu-HU" sz="2800" dirty="0">
-              <a:solidFill>
-                <a:schemeClr val="tx2"/>
-              </a:solidFill>
-              <a:latin typeface="Times New Roman" panose="02020603050405020304" pitchFamily="18" charset="0"/>
-              <a:cs typeface="Times New Roman" panose="02020603050405020304" pitchFamily="18" charset="0"/>
-            </a:endParaRPr>
-          </a:p>
-          <a:p>
-            <a:pPr marL="342900" indent="-342900">
-              <a:spcBef>
-                <a:spcPts val="600"/>
-              </a:spcBef>
-              <a:buFont typeface="Wingdings" panose="05000000000000000000" pitchFamily="2" charset="2"/>
-              <a:buChar char="§"/>
-            </a:pPr>
-            <a:r>
-              <a:rPr lang="hu-HU" sz="2800" dirty="0">
-                <a:solidFill>
-                  <a:schemeClr val="tx2"/>
-                </a:solidFill>
-                <a:latin typeface="Times New Roman" panose="02020603050405020304" pitchFamily="18" charset="0"/>
-                <a:cs typeface="Times New Roman" panose="02020603050405020304" pitchFamily="18" charset="0"/>
-                <a:hlinkClick r:id="rId4">
-                  <a:extLst>
-                    <a:ext uri="{A12FA001-AC4F-418D-AE19-62706E023703}">
-                      <ahyp:hlinkClr xmlns:ahyp="http://schemas.microsoft.com/office/drawing/2018/hyperlinkcolor" val="tx"/>
-                    </a:ext>
-                  </a:extLst>
-                </a:hlinkClick>
-              </a:rPr>
-              <a:t>Wikipédia, a szabad enciklopédia (wikipedia.org)</a:t>
-            </a:r>
-            <a:endParaRPr lang="hu-HU" sz="2800" dirty="0">
-              <a:solidFill>
-                <a:schemeClr val="tx2"/>
-              </a:solidFill>
-              <a:latin typeface="Times New Roman" panose="02020603050405020304" pitchFamily="18" charset="0"/>
-              <a:cs typeface="Times New Roman" panose="02020603050405020304" pitchFamily="18" charset="0"/>
-            </a:endParaRPr>
-          </a:p>
-          <a:p>
-            <a:pPr marL="342900" indent="-342900">
-              <a:spcBef>
-                <a:spcPts val="600"/>
-              </a:spcBef>
-              <a:buFont typeface="Wingdings" panose="05000000000000000000" pitchFamily="2" charset="2"/>
-              <a:buChar char="§"/>
-            </a:pPr>
-            <a:r>
-              <a:rPr lang="hu-HU" sz="2800" dirty="0" err="1">
-                <a:solidFill>
-                  <a:srgbClr val="6D9D9B"/>
-                </a:solidFill>
-                <a:latin typeface="Times New Roman" panose="02020603050405020304" pitchFamily="18" charset="0"/>
-                <a:cs typeface="Times New Roman" panose="02020603050405020304" pitchFamily="18" charset="0"/>
-                <a:hlinkClick r:id="rId5">
-                  <a:extLst>
-                    <a:ext uri="{A12FA001-AC4F-418D-AE19-62706E023703}">
-                      <ahyp:hlinkClr xmlns:ahyp="http://schemas.microsoft.com/office/drawing/2018/hyperlinkcolor" val="tx"/>
-                    </a:ext>
-                  </a:extLst>
-                </a:hlinkClick>
-              </a:rPr>
-              <a:t>ChatGPT</a:t>
-            </a:r>
-            <a:r>
-              <a:rPr lang="hu-HU" sz="2800" dirty="0">
-                <a:solidFill>
-                  <a:schemeClr val="tx2"/>
-                </a:solidFill>
-                <a:latin typeface="Times New Roman" panose="02020603050405020304" pitchFamily="18" charset="0"/>
-                <a:cs typeface="Times New Roman" panose="02020603050405020304" pitchFamily="18" charset="0"/>
-                <a:hlinkClick r:id="rId5">
-                  <a:extLst>
-                    <a:ext uri="{A12FA001-AC4F-418D-AE19-62706E023703}">
-                      <ahyp:hlinkClr xmlns:ahyp="http://schemas.microsoft.com/office/drawing/2018/hyperlinkcolor" val="tx"/>
-                    </a:ext>
-                  </a:extLst>
-                </a:hlinkClick>
-              </a:rPr>
-              <a:t> (openai.com)</a:t>
-            </a:r>
-            <a:endParaRPr lang="hu-HU" sz="2800" dirty="0">
-              <a:solidFill>
-                <a:schemeClr val="tx2"/>
-              </a:solidFill>
-              <a:latin typeface="Times New Roman" panose="02020603050405020304" pitchFamily="18" charset="0"/>
-              <a:cs typeface="Times New Roman" panose="02020603050405020304" pitchFamily="18" charset="0"/>
-            </a:endParaRPr>
-          </a:p>
-        </p:txBody>
-      </p:sp>
-    </p:spTree>
-    <p:extLst>
-      <p:ext uri="{BB962C8B-B14F-4D97-AF65-F5344CB8AC3E}">
-        <p14:creationId xmlns:p14="http://schemas.microsoft.com/office/powerpoint/2010/main" val="1721416597"/>
-      </p:ext>
-    </p:extLst>
-  </p:cSld>
-  <p:clrMapOvr>
-    <a:masterClrMapping/>
-  </p:clrMapOvr>
-  <p:transition spd="slow">
-    <p:wipe/>
-  </p:transition>
-  <p:timing>
-    <p:tnLst>
-      <p:par>
-        <p:cTn id="1" dur="indefinite" restart="never" nodeType="tmRoot">
-          <p:childTnLst>
-            <p:seq concurrent="1" nextAc="seek">
-              <p:cTn id="2" dur="indefinite" nodeType="mainSeq">
-                <p:childTnLst>
-                  <p:par>
-                    <p:cTn id="3" fill="hold">
-                      <p:stCondLst>
-                        <p:cond delay="indefinite"/>
-                      </p:stCondLst>
-                      <p:childTnLst>
-                        <p:par>
-                          <p:cTn id="4" fill="hold">
-                            <p:stCondLst>
-                              <p:cond delay="0"/>
-                            </p:stCondLst>
-                            <p:childTnLst>
-                              <p:par>
-                                <p:cTn id="5" presetID="42" presetClass="entr" presetSubtype="0" fill="hold" grpId="0" nodeType="clickEffect">
-                                  <p:stCondLst>
-                                    <p:cond delay="0"/>
-                                  </p:stCondLst>
-                                  <p:childTnLst>
-                                    <p:set>
-                                      <p:cBhvr>
-                                        <p:cTn id="6" dur="1" fill="hold">
-                                          <p:stCondLst>
-                                            <p:cond delay="0"/>
-                                          </p:stCondLst>
-                                        </p:cTn>
-                                        <p:tgtEl>
-                                          <p:spTgt spid="2"/>
-                                        </p:tgtEl>
-                                        <p:attrNameLst>
-                                          <p:attrName>style.visibility</p:attrName>
-                                        </p:attrNameLst>
-                                      </p:cBhvr>
-                                      <p:to>
-                                        <p:strVal val="visible"/>
-                                      </p:to>
-                                    </p:set>
-                                    <p:animEffect transition="in" filter="fade">
-                                      <p:cBhvr>
-                                        <p:cTn id="7" dur="1000"/>
-                                        <p:tgtEl>
-                                          <p:spTgt spid="2"/>
-                                        </p:tgtEl>
-                                      </p:cBhvr>
-                                    </p:animEffect>
-                                    <p:anim calcmode="lin" valueType="num">
-                                      <p:cBhvr>
-                                        <p:cTn id="8" dur="1000" fill="hold"/>
-                                        <p:tgtEl>
-                                          <p:spTgt spid="2"/>
-                                        </p:tgtEl>
-                                        <p:attrNameLst>
-                                          <p:attrName>ppt_x</p:attrName>
-                                        </p:attrNameLst>
-                                      </p:cBhvr>
-                                      <p:tavLst>
-                                        <p:tav tm="0">
-                                          <p:val>
-                                            <p:strVal val="#ppt_x"/>
-                                          </p:val>
-                                        </p:tav>
-                                        <p:tav tm="100000">
-                                          <p:val>
-                                            <p:strVal val="#ppt_x"/>
-                                          </p:val>
-                                        </p:tav>
-                                      </p:tavLst>
-                                    </p:anim>
-                                    <p:anim calcmode="lin" valueType="num">
-                                      <p:cBhvr>
-                                        <p:cTn id="9" dur="1000" fill="hold"/>
-                                        <p:tgtEl>
-                                          <p:spTgt spid="2"/>
-                                        </p:tgtEl>
-                                        <p:attrNameLst>
-                                          <p:attrName>ppt_y</p:attrName>
-                                        </p:attrNameLst>
-                                      </p:cBhvr>
-                                      <p:tavLst>
-                                        <p:tav tm="0">
-                                          <p:val>
-                                            <p:strVal val="#ppt_y+.1"/>
-                                          </p:val>
-                                        </p:tav>
-                                        <p:tav tm="100000">
-                                          <p:val>
-                                            <p:strVal val="#ppt_y"/>
-                                          </p:val>
-                                        </p:tav>
-                                      </p:tavLst>
-                                    </p:anim>
-                                  </p:childTnLst>
-                                </p:cTn>
-                              </p:par>
-                            </p:childTnLst>
-                          </p:cTn>
-                        </p:par>
-                      </p:childTnLst>
-                    </p:cTn>
-                  </p:par>
-                  <p:par>
-                    <p:cTn id="10" fill="hold">
-                      <p:stCondLst>
-                        <p:cond delay="indefinite"/>
-                      </p:stCondLst>
-                      <p:childTnLst>
-                        <p:par>
-                          <p:cTn id="11" fill="hold">
-                            <p:stCondLst>
-                              <p:cond delay="0"/>
-                            </p:stCondLst>
-                            <p:childTnLst>
-                              <p:par>
-                                <p:cTn id="12" presetID="22" presetClass="entr" presetSubtype="4" fill="hold" nodeType="clickEffect">
-                                  <p:stCondLst>
-                                    <p:cond delay="0"/>
-                                  </p:stCondLst>
-                                  <p:childTnLst>
-                                    <p:set>
-                                      <p:cBhvr>
-                                        <p:cTn id="13" dur="1" fill="hold">
-                                          <p:stCondLst>
-                                            <p:cond delay="0"/>
-                                          </p:stCondLst>
-                                        </p:cTn>
-                                        <p:tgtEl>
-                                          <p:spTgt spid="4">
-                                            <p:txEl>
-                                              <p:pRg st="0" end="0"/>
-                                            </p:txEl>
-                                          </p:spTgt>
-                                        </p:tgtEl>
-                                        <p:attrNameLst>
-                                          <p:attrName>style.visibility</p:attrName>
-                                        </p:attrNameLst>
-                                      </p:cBhvr>
-                                      <p:to>
-                                        <p:strVal val="visible"/>
-                                      </p:to>
-                                    </p:set>
-                                    <p:animEffect transition="in" filter="wipe(down)">
-                                      <p:cBhvr>
-                                        <p:cTn id="14" dur="500"/>
-                                        <p:tgtEl>
-                                          <p:spTgt spid="4">
-                                            <p:txEl>
-                                              <p:pRg st="0" end="0"/>
-                                            </p:txEl>
-                                          </p:spTgt>
-                                        </p:tgtEl>
-                                      </p:cBhvr>
-                                    </p:animEffect>
-                                  </p:childTnLst>
-                                </p:cTn>
-                              </p:par>
-                            </p:childTnLst>
-                          </p:cTn>
-                        </p:par>
-                      </p:childTnLst>
-                    </p:cTn>
-                  </p:par>
-                  <p:par>
-                    <p:cTn id="15" fill="hold">
-                      <p:stCondLst>
-                        <p:cond delay="indefinite"/>
-                      </p:stCondLst>
-                      <p:childTnLst>
-                        <p:par>
-                          <p:cTn id="16" fill="hold">
-                            <p:stCondLst>
-                              <p:cond delay="0"/>
-                            </p:stCondLst>
-                            <p:childTnLst>
-                              <p:par>
-                                <p:cTn id="17" presetID="22" presetClass="entr" presetSubtype="4" fill="hold" nodeType="clickEffect">
-                                  <p:stCondLst>
-                                    <p:cond delay="0"/>
-                                  </p:stCondLst>
-                                  <p:childTnLst>
-                                    <p:set>
-                                      <p:cBhvr>
-                                        <p:cTn id="18" dur="1" fill="hold">
-                                          <p:stCondLst>
-                                            <p:cond delay="0"/>
-                                          </p:stCondLst>
-                                        </p:cTn>
-                                        <p:tgtEl>
-                                          <p:spTgt spid="4">
-                                            <p:txEl>
-                                              <p:pRg st="1" end="1"/>
-                                            </p:txEl>
-                                          </p:spTgt>
-                                        </p:tgtEl>
-                                        <p:attrNameLst>
-                                          <p:attrName>style.visibility</p:attrName>
-                                        </p:attrNameLst>
-                                      </p:cBhvr>
-                                      <p:to>
-                                        <p:strVal val="visible"/>
-                                      </p:to>
-                                    </p:set>
-                                    <p:animEffect transition="in" filter="wipe(down)">
-                                      <p:cBhvr>
-                                        <p:cTn id="19" dur="500"/>
-                                        <p:tgtEl>
-                                          <p:spTgt spid="4">
-                                            <p:txEl>
-                                              <p:pRg st="1" end="1"/>
-                                            </p:txEl>
-                                          </p:spTgt>
-                                        </p:tgtEl>
-                                      </p:cBhvr>
-                                    </p:animEffect>
-                                  </p:childTnLst>
-                                </p:cTn>
-                              </p:par>
-                            </p:childTnLst>
-                          </p:cTn>
-                        </p:par>
-                      </p:childTnLst>
-                    </p:cTn>
-                  </p:par>
-                  <p:par>
-                    <p:cTn id="20" fill="hold">
-                      <p:stCondLst>
-                        <p:cond delay="indefinite"/>
-                      </p:stCondLst>
-                      <p:childTnLst>
-                        <p:par>
-                          <p:cTn id="21" fill="hold">
-                            <p:stCondLst>
-                              <p:cond delay="0"/>
-                            </p:stCondLst>
-                            <p:childTnLst>
-                              <p:par>
-                                <p:cTn id="22" presetID="22" presetClass="entr" presetSubtype="4" fill="hold" nodeType="clickEffect">
-                                  <p:stCondLst>
-                                    <p:cond delay="0"/>
-                                  </p:stCondLst>
-                                  <p:childTnLst>
-                                    <p:set>
-                                      <p:cBhvr>
-                                        <p:cTn id="23" dur="1" fill="hold">
-                                          <p:stCondLst>
-                                            <p:cond delay="0"/>
-                                          </p:stCondLst>
-                                        </p:cTn>
-                                        <p:tgtEl>
-                                          <p:spTgt spid="4">
-                                            <p:txEl>
-                                              <p:pRg st="2" end="2"/>
-                                            </p:txEl>
-                                          </p:spTgt>
-                                        </p:tgtEl>
-                                        <p:attrNameLst>
-                                          <p:attrName>style.visibility</p:attrName>
-                                        </p:attrNameLst>
-                                      </p:cBhvr>
-                                      <p:to>
-                                        <p:strVal val="visible"/>
-                                      </p:to>
-                                    </p:set>
-                                    <p:animEffect transition="in" filter="wipe(down)">
-                                      <p:cBhvr>
-                                        <p:cTn id="24" dur="500"/>
-                                        <p:tgtEl>
-                                          <p:spTgt spid="4">
-                                            <p:txEl>
-                                              <p:pRg st="2" end="2"/>
-                                            </p:txEl>
-                                          </p:spTgt>
-                                        </p:tgtEl>
-                                      </p:cBhvr>
-                                    </p:animEffect>
-                                  </p:childTnLst>
-                                </p:cTn>
-                              </p:par>
-                            </p:childTnLst>
-                          </p:cTn>
-                        </p:par>
-                      </p:childTnLst>
-                    </p:cTn>
-                  </p:par>
-                  <p:par>
-                    <p:cTn id="25" fill="hold">
-                      <p:stCondLst>
-                        <p:cond delay="indefinite"/>
-                      </p:stCondLst>
-                      <p:childTnLst>
-                        <p:par>
-                          <p:cTn id="26" fill="hold">
-                            <p:stCondLst>
-                              <p:cond delay="0"/>
-                            </p:stCondLst>
-                            <p:childTnLst>
-                              <p:par>
-                                <p:cTn id="27" presetID="22" presetClass="entr" presetSubtype="4" fill="hold" nodeType="clickEffect">
-                                  <p:stCondLst>
-                                    <p:cond delay="0"/>
-                                  </p:stCondLst>
-                                  <p:childTnLst>
-                                    <p:set>
-                                      <p:cBhvr>
-                                        <p:cTn id="28" dur="1" fill="hold">
-                                          <p:stCondLst>
-                                            <p:cond delay="0"/>
-                                          </p:stCondLst>
-                                        </p:cTn>
-                                        <p:tgtEl>
-                                          <p:spTgt spid="4">
-                                            <p:txEl>
-                                              <p:pRg st="3" end="3"/>
-                                            </p:txEl>
-                                          </p:spTgt>
-                                        </p:tgtEl>
-                                        <p:attrNameLst>
-                                          <p:attrName>style.visibility</p:attrName>
-                                        </p:attrNameLst>
-                                      </p:cBhvr>
-                                      <p:to>
-                                        <p:strVal val="visible"/>
-                                      </p:to>
-                                    </p:set>
-                                    <p:animEffect transition="in" filter="wipe(down)">
-                                      <p:cBhvr>
-                                        <p:cTn id="29" dur="500"/>
-                                        <p:tgtEl>
-                                          <p:spTgt spid="4">
-                                            <p:txEl>
-                                              <p:pRg st="3" end="3"/>
-                                            </p:txEl>
-                                          </p:spTgt>
-                                        </p:tgtEl>
-                                      </p:cBhvr>
-                                    </p:animEffect>
-                                  </p:childTnLst>
-                                </p:cTn>
-                              </p:par>
-                            </p:childTnLst>
-                          </p:cTn>
-                        </p:par>
-                      </p:childTnLst>
-                    </p:cTn>
-                  </p:par>
-                </p:childTnLst>
-              </p:cTn>
-              <p:prevCondLst>
-                <p:cond evt="onPrev" delay="0">
-                  <p:tgtEl>
-                    <p:sldTgt/>
-                  </p:tgtEl>
-                </p:cond>
-              </p:prevCondLst>
-              <p:nextCondLst>
-                <p:cond evt="onNext" delay="0">
-                  <p:tgtEl>
-                    <p:sldTgt/>
-                  </p:tgtEl>
-                </p:cond>
-              </p:nextCondLst>
-            </p:seq>
-          </p:childTnLst>
-        </p:cTn>
-      </p:par>
-    </p:tnLst>
-    <p:bldLst>
-      <p:bldP spid="2" grpId="0"/>
-    </p:bldLst>
-  </p:timing>
-</p:sld>
-</file>
-
-<file path=ppt/slides/slide8.xml><?xml version="1.0" encoding="utf-8"?>
-<p:sld xmlns:a="http://schemas.openxmlformats.org/drawingml/2006/main" xmlns:r="http://schemas.openxmlformats.org/officeDocument/2006/relationships" xmlns:p="http://schemas.openxmlformats.org/presentationml/2006/main">
-  <p:cSld>
-    <p:spTree>
-      <p:nvGrpSpPr>
-        <p:cNvPr id="1" name=""/>
-        <p:cNvGrpSpPr/>
-        <p:nvPr/>
-      </p:nvGrpSpPr>
-      <p:grpSpPr>
-        <a:xfrm>
-          <a:off x="0" y="0"/>
-          <a:ext cx="0" cy="0"/>
-          <a:chOff x="0" y="0"/>
-          <a:chExt cx="0" cy="0"/>
-        </a:xfrm>
-      </p:grpSpPr>
-      <p:sp>
-        <p:nvSpPr>
-          <p:cNvPr id="2" name="Cím 1">
-            <a:extLst>
-              <a:ext uri="{FF2B5EF4-FFF2-40B4-BE49-F238E27FC236}">
-                <a16:creationId xmlns:a16="http://schemas.microsoft.com/office/drawing/2014/main" id="{15BE5126-19BC-A62B-F4BA-89837C2E7264}"/>
-              </a:ext>
-            </a:extLst>
-          </p:cNvPr>
-          <p:cNvSpPr>
-            <a:spLocks noGrp="1"/>
-          </p:cNvSpPr>
-          <p:nvPr>
-            <p:ph type="title"/>
-          </p:nvPr>
-        </p:nvSpPr>
-        <p:spPr>
-          <a:xfrm>
-            <a:off x="2383352" y="2996648"/>
-            <a:ext cx="7425296" cy="864704"/>
-          </a:xfrm>
-        </p:spPr>
-        <p:txBody>
-          <a:bodyPr>
-            <a:noAutofit/>
-          </a:bodyPr>
-          <a:lstStyle/>
-          <a:p>
-            <a:pPr algn="ctr"/>
-            <a:r>
-              <a:rPr lang="hu-HU" sz="4400" dirty="0">
-                <a:latin typeface="Times New Roman" panose="02020603050405020304" pitchFamily="18" charset="0"/>
-                <a:cs typeface="Times New Roman" panose="02020603050405020304" pitchFamily="18" charset="0"/>
-              </a:rPr>
-              <a:t>T</a:t>
-            </a:r>
-            <a:r>
-              <a:rPr lang="en-US" sz="4400" dirty="0">
-                <a:latin typeface="Times New Roman" panose="02020603050405020304" pitchFamily="18" charset="0"/>
-                <a:cs typeface="Times New Roman" panose="02020603050405020304" pitchFamily="18" charset="0"/>
-              </a:rPr>
-              <a:t>hank you for your attention</a:t>
-            </a:r>
-            <a:r>
-              <a:rPr lang="hu-HU" sz="4400" dirty="0">
-                <a:latin typeface="Times New Roman" panose="02020603050405020304" pitchFamily="18" charset="0"/>
-                <a:cs typeface="Times New Roman" panose="02020603050405020304" pitchFamily="18" charset="0"/>
-              </a:rPr>
-              <a:t>!</a:t>
-            </a:r>
-          </a:p>
-        </p:txBody>
-      </p:sp>
-    </p:spTree>
-    <p:extLst>
-      <p:ext uri="{BB962C8B-B14F-4D97-AF65-F5344CB8AC3E}">
-        <p14:creationId xmlns:p14="http://schemas.microsoft.com/office/powerpoint/2010/main" val="325180703"/>
-      </p:ext>
-    </p:extLst>
-  </p:cSld>
-  <p:clrMapOvr>
-    <a:masterClrMapping/>
-  </p:clrMapOvr>
-  <mc:AlternateContent xmlns:mc="http://schemas.openxmlformats.org/markup-compatibility/2006" xmlns:p15="http://schemas.microsoft.com/office/powerpoint/2012/main">
-    <mc:Choice Requires="p15">
-      <p:transition xmlns:p14="http://schemas.microsoft.com/office/powerpoint/2010/main" spd="slow" p14:dur="6000">
-        <p15:prstTrans prst="curtains"/>
-      </p:transition>
-    </mc:Choice>
-    <mc:Fallback xmlns="">
-      <p:transition spd="slow">
-        <p:fade/>
-      </p:transition>
-    </mc:Fallback>
-  </mc:AlternateContent>
-  <p:timing>
-    <p:tnLst>
-      <p:par>
-        <p:cTn id="1" dur="indefinite" restart="never" nodeType="tmRoot">
-          <p:childTnLst>
-            <p:seq concurrent="1" nextAc="seek">
-              <p:cTn id="2" dur="indefinite" nodeType="mainSeq">
-                <p:childTnLst>
-                  <p:par>
-                    <p:cTn id="3" fill="hold">
-                      <p:stCondLst>
-                        <p:cond delay="indefinite"/>
-                      </p:stCondLst>
-                      <p:childTnLst>
-                        <p:par>
-                          <p:cTn id="4" fill="hold">
-                            <p:stCondLst>
-                              <p:cond delay="0"/>
-                            </p:stCondLst>
-                            <p:childTnLst>
-                              <p:par>
-                                <p:cTn id="5" presetID="21" presetClass="entr" presetSubtype="1" fill="hold" grpId="0" nodeType="clickEffect">
-                                  <p:stCondLst>
-                                    <p:cond delay="0"/>
-                                  </p:stCondLst>
-                                  <p:childTnLst>
-                                    <p:set>
-                                      <p:cBhvr>
-                                        <p:cTn id="6" dur="1" fill="hold">
-                                          <p:stCondLst>
-                                            <p:cond delay="0"/>
-                                          </p:stCondLst>
-                                        </p:cTn>
-                                        <p:tgtEl>
-                                          <p:spTgt spid="2"/>
-                                        </p:tgtEl>
-                                        <p:attrNameLst>
-                                          <p:attrName>style.visibility</p:attrName>
-                                        </p:attrNameLst>
-                                      </p:cBhvr>
-                                      <p:to>
-                                        <p:strVal val="visible"/>
-                                      </p:to>
-                                    </p:set>
-                                    <p:animEffect transition="in" filter="wheel(1)">
-                                      <p:cBhvr>
-                                        <p:cTn id="7" dur="2000"/>
-                                        <p:tgtEl>
-                                          <p:spTgt spid="2"/>
-                                        </p:tgtEl>
-                                      </p:cBhvr>
-                                    </p:animEffect>
-                                  </p:childTnLst>
-                                </p:cTn>
-                              </p:par>
-                            </p:childTnLst>
-                          </p:cTn>
-                        </p:par>
-                      </p:childTnLst>
-                    </p:cTn>
-                  </p:par>
-                </p:childTnLst>
-              </p:cTn>
-              <p:prevCondLst>
-                <p:cond evt="onPrev" delay="0">
-                  <p:tgtEl>
-                    <p:sldTgt/>
-                  </p:tgtEl>
-                </p:cond>
-              </p:prevCondLst>
-              <p:nextCondLst>
-                <p:cond evt="onNext" delay="0">
-                  <p:tgtEl>
-                    <p:sldTgt/>
-                  </p:tgtEl>
-                </p:cond>
-              </p:nextCondLst>
-            </p:seq>
-          </p:childTnLst>
-        </p:cTn>
-      </p:par>
-    </p:tnLst>
-    <p:bldLst>
-      <p:bldP spid="2" grpId="0"/>
-    </p:bldLst>
-  </p:timing>
-</p:sld>
-</file>
-
 <file path=ppt/theme/theme1.xml><?xml version="1.0" encoding="utf-8"?>
 <a:theme xmlns:a="http://schemas.openxmlformats.org/drawingml/2006/main" name="Madison">
   <a:themeElements>
